--- a/DOC/240927_상속.pptx
+++ b/DOC/240927_상속.pptx
@@ -13,8 +13,8 @@
     <p:sldId id="310" r:id="rId7"/>
     <p:sldId id="319" r:id="rId8"/>
     <p:sldId id="311" r:id="rId9"/>
-    <p:sldId id="312" r:id="rId10"/>
-    <p:sldId id="313" r:id="rId11"/>
+    <p:sldId id="313" r:id="rId10"/>
+    <p:sldId id="312" r:id="rId11"/>
     <p:sldId id="314" r:id="rId12"/>
     <p:sldId id="315" r:id="rId13"/>
     <p:sldId id="316" r:id="rId14"/>
@@ -3408,10 +3408,467 @@
           <a:chExt cx="0" cy="0"/>
         </a:xfrm>
       </p:grpSpPr>
+      <p:sp>
+        <p:nvSpPr>
+          <p:cNvPr id="2" name="직사각형 1">
+            <a:extLst>
+              <a:ext uri="{FF2B5EF4-FFF2-40B4-BE49-F238E27FC236}">
+                <a16:creationId xmlns:a16="http://schemas.microsoft.com/office/drawing/2014/main" id="{7155AC48-EDB1-39A4-21CB-A5988A98331E}"/>
+              </a:ext>
+            </a:extLst>
+          </p:cNvPr>
+          <p:cNvSpPr/>
+          <p:nvPr/>
+        </p:nvSpPr>
+        <p:spPr>
+          <a:xfrm>
+            <a:off x="3768436" y="886691"/>
+            <a:ext cx="2844800" cy="1025236"/>
+          </a:xfrm>
+          <a:prstGeom prst="rect">
+            <a:avLst/>
+          </a:prstGeom>
+        </p:spPr>
+        <p:style>
+          <a:lnRef idx="2">
+            <a:schemeClr val="accent1">
+              <a:shade val="15000"/>
+            </a:schemeClr>
+          </a:lnRef>
+          <a:fillRef idx="1">
+            <a:schemeClr val="accent1"/>
+          </a:fillRef>
+          <a:effectRef idx="0">
+            <a:schemeClr val="accent1"/>
+          </a:effectRef>
+          <a:fontRef idx="minor">
+            <a:schemeClr val="lt1"/>
+          </a:fontRef>
+        </p:style>
+        <p:txBody>
+          <a:bodyPr rtlCol="0" anchor="ctr"/>
+          <a:lstStyle/>
+          <a:p>
+            <a:pPr algn="ctr"/>
+            <a:r>
+              <a:rPr lang="en-US" altLang="ko-KR" dirty="0" err="1"/>
+              <a:t>StatusUnit</a:t>
+            </a:r>
+            <a:endParaRPr lang="ko-KR" altLang="en-US" dirty="0"/>
+          </a:p>
+        </p:txBody>
+      </p:sp>
+      <p:sp>
+        <p:nvSpPr>
+          <p:cNvPr id="3" name="직사각형 2">
+            <a:extLst>
+              <a:ext uri="{FF2B5EF4-FFF2-40B4-BE49-F238E27FC236}">
+                <a16:creationId xmlns:a16="http://schemas.microsoft.com/office/drawing/2014/main" id="{77654E94-F2F0-AC5B-E40B-7E7D06451C95}"/>
+              </a:ext>
+            </a:extLst>
+          </p:cNvPr>
+          <p:cNvSpPr/>
+          <p:nvPr/>
+        </p:nvSpPr>
+        <p:spPr>
+          <a:xfrm>
+            <a:off x="2346036" y="2837873"/>
+            <a:ext cx="2844800" cy="1025236"/>
+          </a:xfrm>
+          <a:prstGeom prst="rect">
+            <a:avLst/>
+          </a:prstGeom>
+        </p:spPr>
+        <p:style>
+          <a:lnRef idx="2">
+            <a:schemeClr val="accent1">
+              <a:shade val="15000"/>
+            </a:schemeClr>
+          </a:lnRef>
+          <a:fillRef idx="1">
+            <a:schemeClr val="accent1"/>
+          </a:fillRef>
+          <a:effectRef idx="0">
+            <a:schemeClr val="accent1"/>
+          </a:effectRef>
+          <a:fontRef idx="minor">
+            <a:schemeClr val="lt1"/>
+          </a:fontRef>
+        </p:style>
+        <p:txBody>
+          <a:bodyPr rtlCol="0" anchor="ctr"/>
+          <a:lstStyle/>
+          <a:p>
+            <a:pPr algn="ctr"/>
+            <a:r>
+              <a:rPr lang="en-US" altLang="ko-KR" dirty="0" err="1"/>
+              <a:t>FightUnit</a:t>
+            </a:r>
+            <a:endParaRPr lang="en-US" altLang="ko-KR" dirty="0"/>
+          </a:p>
+          <a:p>
+            <a:pPr algn="ctr"/>
+            <a:r>
+              <a:rPr lang="en-US" altLang="ko-KR" sz="1800" dirty="0">
+                <a:solidFill>
+                  <a:srgbClr val="0000FF"/>
+                </a:solidFill>
+                <a:highlight>
+                  <a:srgbClr val="FFFFFF"/>
+                </a:highlight>
+                <a:latin typeface="돋움체" panose="020B0609000101010101" pitchFamily="49" charset="-127"/>
+                <a:ea typeface="돋움체" panose="020B0609000101010101" pitchFamily="49" charset="-127"/>
+              </a:rPr>
+              <a:t>int</a:t>
+            </a:r>
+            <a:r>
+              <a:rPr lang="en-US" altLang="ko-KR" sz="1800" dirty="0">
+                <a:solidFill>
+                  <a:srgbClr val="000000"/>
+                </a:solidFill>
+                <a:highlight>
+                  <a:srgbClr val="FFFFFF"/>
+                </a:highlight>
+                <a:latin typeface="돋움체" panose="020B0609000101010101" pitchFamily="49" charset="-127"/>
+                <a:ea typeface="돋움체" panose="020B0609000101010101" pitchFamily="49" charset="-127"/>
+              </a:rPr>
+              <a:t> </a:t>
+            </a:r>
+            <a:r>
+              <a:rPr lang="en-US" altLang="ko-KR" sz="1800" dirty="0" err="1">
+                <a:solidFill>
+                  <a:srgbClr val="000000"/>
+                </a:solidFill>
+                <a:highlight>
+                  <a:srgbClr val="FFFFFF"/>
+                </a:highlight>
+                <a:latin typeface="돋움체" panose="020B0609000101010101" pitchFamily="49" charset="-127"/>
+                <a:ea typeface="돋움체" panose="020B0609000101010101" pitchFamily="49" charset="-127"/>
+              </a:rPr>
+              <a:t>FightUnit</a:t>
+            </a:r>
+            <a:r>
+              <a:rPr lang="en-US" altLang="ko-KR" sz="1800" dirty="0">
+                <a:solidFill>
+                  <a:srgbClr val="000000"/>
+                </a:solidFill>
+                <a:highlight>
+                  <a:srgbClr val="FFFFFF"/>
+                </a:highlight>
+                <a:latin typeface="돋움체" panose="020B0609000101010101" pitchFamily="49" charset="-127"/>
+                <a:ea typeface="돋움체" panose="020B0609000101010101" pitchFamily="49" charset="-127"/>
+              </a:rPr>
+              <a:t>::Hp</a:t>
+            </a:r>
+            <a:endParaRPr lang="ko-KR" altLang="en-US" dirty="0"/>
+          </a:p>
+        </p:txBody>
+      </p:sp>
+      <p:cxnSp>
+        <p:nvCxnSpPr>
+          <p:cNvPr id="4" name="직선 화살표 연결선 3">
+            <a:extLst>
+              <a:ext uri="{FF2B5EF4-FFF2-40B4-BE49-F238E27FC236}">
+                <a16:creationId xmlns:a16="http://schemas.microsoft.com/office/drawing/2014/main" id="{CA3EA036-C3B0-AC95-BF40-C506A42EC7E2}"/>
+              </a:ext>
+            </a:extLst>
+          </p:cNvPr>
+          <p:cNvCxnSpPr>
+            <a:stCxn id="3" idx="0"/>
+            <a:endCxn id="2" idx="2"/>
+          </p:cNvCxnSpPr>
+          <p:nvPr/>
+        </p:nvCxnSpPr>
+        <p:spPr>
+          <a:xfrm flipV="1">
+            <a:off x="3768436" y="1911927"/>
+            <a:ext cx="1422400" cy="925946"/>
+          </a:xfrm>
+          <a:prstGeom prst="straightConnector1">
+            <a:avLst/>
+          </a:prstGeom>
+          <a:ln w="76200">
+            <a:tailEnd type="triangle"/>
+          </a:ln>
+        </p:spPr>
+        <p:style>
+          <a:lnRef idx="3">
+            <a:schemeClr val="dk1"/>
+          </a:lnRef>
+          <a:fillRef idx="0">
+            <a:schemeClr val="dk1"/>
+          </a:fillRef>
+          <a:effectRef idx="2">
+            <a:schemeClr val="dk1"/>
+          </a:effectRef>
+          <a:fontRef idx="minor">
+            <a:schemeClr val="tx1"/>
+          </a:fontRef>
+        </p:style>
+      </p:cxnSp>
+      <p:sp>
+        <p:nvSpPr>
+          <p:cNvPr id="5" name="직사각형 4">
+            <a:extLst>
+              <a:ext uri="{FF2B5EF4-FFF2-40B4-BE49-F238E27FC236}">
+                <a16:creationId xmlns:a16="http://schemas.microsoft.com/office/drawing/2014/main" id="{DFBF39BD-DE90-3DD6-56F3-62AA68C5E288}"/>
+              </a:ext>
+            </a:extLst>
+          </p:cNvPr>
+          <p:cNvSpPr/>
+          <p:nvPr/>
+        </p:nvSpPr>
+        <p:spPr>
+          <a:xfrm>
+            <a:off x="3768436" y="4747491"/>
+            <a:ext cx="2844800" cy="1025236"/>
+          </a:xfrm>
+          <a:prstGeom prst="rect">
+            <a:avLst/>
+          </a:prstGeom>
+        </p:spPr>
+        <p:style>
+          <a:lnRef idx="2">
+            <a:schemeClr val="accent1">
+              <a:shade val="15000"/>
+            </a:schemeClr>
+          </a:lnRef>
+          <a:fillRef idx="1">
+            <a:schemeClr val="accent1"/>
+          </a:fillRef>
+          <a:effectRef idx="0">
+            <a:schemeClr val="accent1"/>
+          </a:effectRef>
+          <a:fontRef idx="minor">
+            <a:schemeClr val="lt1"/>
+          </a:fontRef>
+        </p:style>
+        <p:txBody>
+          <a:bodyPr rtlCol="0" anchor="ctr"/>
+          <a:lstStyle/>
+          <a:p>
+            <a:pPr algn="ctr"/>
+            <a:r>
+              <a:rPr lang="en-US" altLang="ko-KR" dirty="0"/>
+              <a:t>Player</a:t>
+            </a:r>
+            <a:endParaRPr lang="ko-KR" altLang="en-US" dirty="0"/>
+          </a:p>
+        </p:txBody>
+      </p:sp>
+      <p:cxnSp>
+        <p:nvCxnSpPr>
+          <p:cNvPr id="6" name="직선 화살표 연결선 5">
+            <a:extLst>
+              <a:ext uri="{FF2B5EF4-FFF2-40B4-BE49-F238E27FC236}">
+                <a16:creationId xmlns:a16="http://schemas.microsoft.com/office/drawing/2014/main" id="{71CC20DE-35D1-C0A6-5AFF-1D9DFD274218}"/>
+              </a:ext>
+            </a:extLst>
+          </p:cNvPr>
+          <p:cNvCxnSpPr>
+            <a:cxnSpLocks/>
+            <a:stCxn id="5" idx="0"/>
+            <a:endCxn id="3" idx="2"/>
+          </p:cNvCxnSpPr>
+          <p:nvPr/>
+        </p:nvCxnSpPr>
+        <p:spPr>
+          <a:xfrm flipH="1" flipV="1">
+            <a:off x="3768436" y="3863109"/>
+            <a:ext cx="1422400" cy="884382"/>
+          </a:xfrm>
+          <a:prstGeom prst="straightConnector1">
+            <a:avLst/>
+          </a:prstGeom>
+          <a:ln w="76200">
+            <a:tailEnd type="triangle"/>
+          </a:ln>
+        </p:spPr>
+        <p:style>
+          <a:lnRef idx="3">
+            <a:schemeClr val="dk1"/>
+          </a:lnRef>
+          <a:fillRef idx="0">
+            <a:schemeClr val="dk1"/>
+          </a:fillRef>
+          <a:effectRef idx="2">
+            <a:schemeClr val="dk1"/>
+          </a:effectRef>
+          <a:fontRef idx="minor">
+            <a:schemeClr val="tx1"/>
+          </a:fontRef>
+        </p:style>
+      </p:cxnSp>
+      <p:sp>
+        <p:nvSpPr>
+          <p:cNvPr id="11" name="직사각형 10">
+            <a:extLst>
+              <a:ext uri="{FF2B5EF4-FFF2-40B4-BE49-F238E27FC236}">
+                <a16:creationId xmlns:a16="http://schemas.microsoft.com/office/drawing/2014/main" id="{2B079753-663A-4CD8-886F-16F60CDA1F58}"/>
+              </a:ext>
+            </a:extLst>
+          </p:cNvPr>
+          <p:cNvSpPr/>
+          <p:nvPr/>
+        </p:nvSpPr>
+        <p:spPr>
+          <a:xfrm>
+            <a:off x="5740400" y="2837873"/>
+            <a:ext cx="2844800" cy="1025236"/>
+          </a:xfrm>
+          <a:prstGeom prst="rect">
+            <a:avLst/>
+          </a:prstGeom>
+        </p:spPr>
+        <p:style>
+          <a:lnRef idx="2">
+            <a:schemeClr val="accent1">
+              <a:shade val="15000"/>
+            </a:schemeClr>
+          </a:lnRef>
+          <a:fillRef idx="1">
+            <a:schemeClr val="accent1"/>
+          </a:fillRef>
+          <a:effectRef idx="0">
+            <a:schemeClr val="accent1"/>
+          </a:effectRef>
+          <a:fontRef idx="minor">
+            <a:schemeClr val="lt1"/>
+          </a:fontRef>
+        </p:style>
+        <p:txBody>
+          <a:bodyPr rtlCol="0" anchor="ctr"/>
+          <a:lstStyle/>
+          <a:p>
+            <a:pPr algn="ctr"/>
+            <a:r>
+              <a:rPr lang="en-US" altLang="ko-KR" dirty="0" err="1"/>
+              <a:t>QuestUnit</a:t>
+            </a:r>
+            <a:endParaRPr lang="en-US" altLang="ko-KR" dirty="0"/>
+          </a:p>
+          <a:p>
+            <a:pPr algn="ctr"/>
+            <a:r>
+              <a:rPr lang="en-US" altLang="ko-KR" sz="1800" dirty="0">
+                <a:solidFill>
+                  <a:srgbClr val="0000FF"/>
+                </a:solidFill>
+                <a:highlight>
+                  <a:srgbClr val="FFFFFF"/>
+                </a:highlight>
+                <a:latin typeface="돋움체" panose="020B0609000101010101" pitchFamily="49" charset="-127"/>
+                <a:ea typeface="돋움체" panose="020B0609000101010101" pitchFamily="49" charset="-127"/>
+              </a:rPr>
+              <a:t>int</a:t>
+            </a:r>
+            <a:r>
+              <a:rPr lang="en-US" altLang="ko-KR" sz="1800" dirty="0">
+                <a:solidFill>
+                  <a:srgbClr val="000000"/>
+                </a:solidFill>
+                <a:highlight>
+                  <a:srgbClr val="FFFFFF"/>
+                </a:highlight>
+                <a:latin typeface="돋움체" panose="020B0609000101010101" pitchFamily="49" charset="-127"/>
+                <a:ea typeface="돋움체" panose="020B0609000101010101" pitchFamily="49" charset="-127"/>
+              </a:rPr>
+              <a:t> Hp</a:t>
+            </a:r>
+            <a:endParaRPr lang="ko-KR" altLang="en-US" dirty="0"/>
+          </a:p>
+        </p:txBody>
+      </p:sp>
+      <p:cxnSp>
+        <p:nvCxnSpPr>
+          <p:cNvPr id="12" name="직선 화살표 연결선 11">
+            <a:extLst>
+              <a:ext uri="{FF2B5EF4-FFF2-40B4-BE49-F238E27FC236}">
+                <a16:creationId xmlns:a16="http://schemas.microsoft.com/office/drawing/2014/main" id="{1CE5B05A-7A06-B9EF-59F1-C4AADEA8C211}"/>
+              </a:ext>
+            </a:extLst>
+          </p:cNvPr>
+          <p:cNvCxnSpPr>
+            <a:cxnSpLocks/>
+            <a:stCxn id="11" idx="0"/>
+            <a:endCxn id="2" idx="2"/>
+          </p:cNvCxnSpPr>
+          <p:nvPr/>
+        </p:nvCxnSpPr>
+        <p:spPr>
+          <a:xfrm flipH="1" flipV="1">
+            <a:off x="5190836" y="1911927"/>
+            <a:ext cx="1971964" cy="925946"/>
+          </a:xfrm>
+          <a:prstGeom prst="straightConnector1">
+            <a:avLst/>
+          </a:prstGeom>
+          <a:ln w="76200">
+            <a:tailEnd type="triangle"/>
+          </a:ln>
+        </p:spPr>
+        <p:style>
+          <a:lnRef idx="3">
+            <a:schemeClr val="dk1"/>
+          </a:lnRef>
+          <a:fillRef idx="0">
+            <a:schemeClr val="dk1"/>
+          </a:fillRef>
+          <a:effectRef idx="2">
+            <a:schemeClr val="dk1"/>
+          </a:effectRef>
+          <a:fontRef idx="minor">
+            <a:schemeClr val="tx1"/>
+          </a:fontRef>
+        </p:style>
+      </p:cxnSp>
+      <p:cxnSp>
+        <p:nvCxnSpPr>
+          <p:cNvPr id="15" name="직선 화살표 연결선 14">
+            <a:extLst>
+              <a:ext uri="{FF2B5EF4-FFF2-40B4-BE49-F238E27FC236}">
+                <a16:creationId xmlns:a16="http://schemas.microsoft.com/office/drawing/2014/main" id="{3176DF9F-B413-CFFC-B2FA-3697F55DA7D3}"/>
+              </a:ext>
+            </a:extLst>
+          </p:cNvPr>
+          <p:cNvCxnSpPr>
+            <a:cxnSpLocks/>
+            <a:stCxn id="11" idx="2"/>
+            <a:endCxn id="5" idx="0"/>
+          </p:cNvCxnSpPr>
+          <p:nvPr/>
+        </p:nvCxnSpPr>
+        <p:spPr>
+          <a:xfrm flipH="1">
+            <a:off x="5190836" y="3863109"/>
+            <a:ext cx="1971964" cy="884382"/>
+          </a:xfrm>
+          <a:prstGeom prst="straightConnector1">
+            <a:avLst/>
+          </a:prstGeom>
+          <a:ln w="76200">
+            <a:tailEnd type="triangle"/>
+          </a:ln>
+        </p:spPr>
+        <p:style>
+          <a:lnRef idx="3">
+            <a:schemeClr val="dk1"/>
+          </a:lnRef>
+          <a:fillRef idx="0">
+            <a:schemeClr val="dk1"/>
+          </a:fillRef>
+          <a:effectRef idx="2">
+            <a:schemeClr val="dk1"/>
+          </a:effectRef>
+          <a:fontRef idx="minor">
+            <a:schemeClr val="tx1"/>
+          </a:fontRef>
+        </p:style>
+      </p:cxnSp>
     </p:spTree>
     <p:extLst>
       <p:ext uri="{BB962C8B-B14F-4D97-AF65-F5344CB8AC3E}">
-        <p14:creationId xmlns:p14="http://schemas.microsoft.com/office/powerpoint/2010/main" val="998541343"/>
+        <p14:creationId xmlns:p14="http://schemas.microsoft.com/office/powerpoint/2010/main" val="632659469"/>
       </p:ext>
     </p:extLst>
   </p:cSld>
@@ -4889,7 +5346,7 @@
               <a:t>입니다</a:t>
             </a:r>
             <a:r>
-              <a:rPr lang="en-US" altLang="ko-KR"/>
+              <a:rPr lang="en-US" altLang="ko-KR" dirty="0"/>
               <a:t>.</a:t>
             </a:r>
             <a:endParaRPr lang="ko-KR" altLang="en-US" dirty="0"/>
@@ -4956,10 +5413,45 @@
           <a:chExt cx="0" cy="0"/>
         </a:xfrm>
       </p:grpSpPr>
+      <p:sp>
+        <p:nvSpPr>
+          <p:cNvPr id="2" name="TextBox 1">
+            <a:extLst>
+              <a:ext uri="{FF2B5EF4-FFF2-40B4-BE49-F238E27FC236}">
+                <a16:creationId xmlns:a16="http://schemas.microsoft.com/office/drawing/2014/main" id="{531BF6DA-AEA7-AA6F-5360-94B1073145D5}"/>
+              </a:ext>
+            </a:extLst>
+          </p:cNvPr>
+          <p:cNvSpPr txBox="1"/>
+          <p:nvPr/>
+        </p:nvSpPr>
+        <p:spPr>
+          <a:xfrm>
+            <a:off x="738909" y="508000"/>
+            <a:ext cx="2749471" cy="861774"/>
+          </a:xfrm>
+          <a:prstGeom prst="rect">
+            <a:avLst/>
+          </a:prstGeom>
+          <a:noFill/>
+        </p:spPr>
+        <p:txBody>
+          <a:bodyPr wrap="none" rtlCol="0">
+            <a:spAutoFit/>
+          </a:bodyPr>
+          <a:lstStyle/>
+          <a:p>
+            <a:r>
+              <a:rPr lang="ko-KR" altLang="en-US" sz="5000" dirty="0"/>
+              <a:t>다중상속</a:t>
+            </a:r>
+          </a:p>
+        </p:txBody>
+      </p:sp>
     </p:spTree>
     <p:extLst>
       <p:ext uri="{BB962C8B-B14F-4D97-AF65-F5344CB8AC3E}">
-        <p14:creationId xmlns:p14="http://schemas.microsoft.com/office/powerpoint/2010/main" val="632659469"/>
+        <p14:creationId xmlns:p14="http://schemas.microsoft.com/office/powerpoint/2010/main" val="998541343"/>
       </p:ext>
     </p:extLst>
   </p:cSld>
